--- a/jdocs/Comp/Projects/TeamGradingRubric.pptx
+++ b/jdocs/Comp/Projects/TeamGradingRubric.pptx
@@ -289,7 +289,7 @@
             <a:fld id="{1D8BD707-D9CF-40AE-B4C6-C98DA3205C09}" type="datetimeFigureOut">
               <a:rPr lang="en-US" smtClean="0"/>
               <a:pPr/>
-              <a:t>8/28/2012</a:t>
+              <a:t>5/2/2016</a:t>
             </a:fld>
             <a:endParaRPr lang="en-US"/>
           </a:p>
@@ -456,7 +456,7 @@
             <a:fld id="{1D8BD707-D9CF-40AE-B4C6-C98DA3205C09}" type="datetimeFigureOut">
               <a:rPr lang="en-US" smtClean="0"/>
               <a:pPr/>
-              <a:t>8/28/2012</a:t>
+              <a:t>5/2/2016</a:t>
             </a:fld>
             <a:endParaRPr lang="en-US"/>
           </a:p>
@@ -633,7 +633,7 @@
             <a:fld id="{1D8BD707-D9CF-40AE-B4C6-C98DA3205C09}" type="datetimeFigureOut">
               <a:rPr lang="en-US" smtClean="0"/>
               <a:pPr/>
-              <a:t>8/28/2012</a:t>
+              <a:t>5/2/2016</a:t>
             </a:fld>
             <a:endParaRPr lang="en-US"/>
           </a:p>
@@ -800,7 +800,7 @@
             <a:fld id="{1D8BD707-D9CF-40AE-B4C6-C98DA3205C09}" type="datetimeFigureOut">
               <a:rPr lang="en-US" smtClean="0"/>
               <a:pPr/>
-              <a:t>8/28/2012</a:t>
+              <a:t>5/2/2016</a:t>
             </a:fld>
             <a:endParaRPr lang="en-US"/>
           </a:p>
@@ -1043,7 +1043,7 @@
             <a:fld id="{1D8BD707-D9CF-40AE-B4C6-C98DA3205C09}" type="datetimeFigureOut">
               <a:rPr lang="en-US" smtClean="0"/>
               <a:pPr/>
-              <a:t>8/28/2012</a:t>
+              <a:t>5/2/2016</a:t>
             </a:fld>
             <a:endParaRPr lang="en-US"/>
           </a:p>
@@ -1328,7 +1328,7 @@
             <a:fld id="{1D8BD707-D9CF-40AE-B4C6-C98DA3205C09}" type="datetimeFigureOut">
               <a:rPr lang="en-US" smtClean="0"/>
               <a:pPr/>
-              <a:t>8/28/2012</a:t>
+              <a:t>5/2/2016</a:t>
             </a:fld>
             <a:endParaRPr lang="en-US"/>
           </a:p>
@@ -1747,7 +1747,7 @@
             <a:fld id="{1D8BD707-D9CF-40AE-B4C6-C98DA3205C09}" type="datetimeFigureOut">
               <a:rPr lang="en-US" smtClean="0"/>
               <a:pPr/>
-              <a:t>8/28/2012</a:t>
+              <a:t>5/2/2016</a:t>
             </a:fld>
             <a:endParaRPr lang="en-US"/>
           </a:p>
@@ -1862,7 +1862,7 @@
             <a:fld id="{1D8BD707-D9CF-40AE-B4C6-C98DA3205C09}" type="datetimeFigureOut">
               <a:rPr lang="en-US" smtClean="0"/>
               <a:pPr/>
-              <a:t>8/28/2012</a:t>
+              <a:t>5/2/2016</a:t>
             </a:fld>
             <a:endParaRPr lang="en-US"/>
           </a:p>
@@ -1954,7 +1954,7 @@
             <a:fld id="{1D8BD707-D9CF-40AE-B4C6-C98DA3205C09}" type="datetimeFigureOut">
               <a:rPr lang="en-US" smtClean="0"/>
               <a:pPr/>
-              <a:t>8/28/2012</a:t>
+              <a:t>5/2/2016</a:t>
             </a:fld>
             <a:endParaRPr lang="en-US"/>
           </a:p>
@@ -2228,7 +2228,7 @@
             <a:fld id="{1D8BD707-D9CF-40AE-B4C6-C98DA3205C09}" type="datetimeFigureOut">
               <a:rPr lang="en-US" smtClean="0"/>
               <a:pPr/>
-              <a:t>8/28/2012</a:t>
+              <a:t>5/2/2016</a:t>
             </a:fld>
             <a:endParaRPr lang="en-US"/>
           </a:p>
@@ -2478,7 +2478,7 @@
             <a:fld id="{1D8BD707-D9CF-40AE-B4C6-C98DA3205C09}" type="datetimeFigureOut">
               <a:rPr lang="en-US" smtClean="0"/>
               <a:pPr/>
-              <a:t>8/28/2012</a:t>
+              <a:t>5/2/2016</a:t>
             </a:fld>
             <a:endParaRPr lang="en-US"/>
           </a:p>
@@ -2688,7 +2688,7 @@
             <a:fld id="{1D8BD707-D9CF-40AE-B4C6-C98DA3205C09}" type="datetimeFigureOut">
               <a:rPr lang="en-US" smtClean="0"/>
               <a:pPr/>
-              <a:t>8/28/2012</a:t>
+              <a:t>5/2/2016</a:t>
             </a:fld>
             <a:endParaRPr lang="en-US"/>
           </a:p>
@@ -3098,7 +3098,7 @@
           <p:nvPr>
             <p:extLst>
               <p:ext uri="{D42A27DB-BD31-4B8C-83A1-F6EECF244321}">
-                <p14:modId xmlns:p14="http://schemas.microsoft.com/office/powerpoint/2010/main" val="3227447786"/>
+                <p14:modId xmlns:p14="http://schemas.microsoft.com/office/powerpoint/2010/main" val="1336120334"/>
               </p:ext>
             </p:extLst>
           </p:nvPr>
@@ -3116,8 +3116,8 @@
               <a:tblGrid>
                 <a:gridCol w="2590800"/>
                 <a:gridCol w="2438400"/>
-                <a:gridCol w="2057400"/>
-                <a:gridCol w="1752600"/>
+                <a:gridCol w="3581400"/>
+                <a:gridCol w="228600"/>
               </a:tblGrid>
               <a:tr h="269804">
                 <a:tc>
@@ -3139,6 +3139,10 @@
                     <a:bodyPr/>
                     <a:lstStyle/>
                     <a:p>
+                      <a:r>
+                        <a:rPr lang="en-US" dirty="0" smtClean="0"/>
+                        <a:t>Your name:</a:t>
+                      </a:r>
                       <a:endParaRPr lang="en-US" dirty="0"/>
                     </a:p>
                   </a:txBody>
@@ -3149,6 +3153,10 @@
                     <a:bodyPr/>
                     <a:lstStyle/>
                     <a:p>
+                      <a:r>
+                        <a:rPr lang="en-US" smtClean="0"/>
+                        <a:t>Team member’s name:</a:t>
+                      </a:r>
                       <a:endParaRPr lang="en-US"/>
                     </a:p>
                   </a:txBody>
@@ -3600,7 +3608,7 @@
         <a:sysClr val="windowText" lastClr="000000"/>
       </a:dk1>
       <a:lt1>
-        <a:sysClr val="window" lastClr="FFFFFF"/>
+        <a:sysClr val="window" lastClr="F0F0F0"/>
       </a:lt1>
       <a:dk2>
         <a:srgbClr val="1F497D"/>

--- a/jdocs/Comp/Projects/TeamGradingRubric.pptx
+++ b/jdocs/Comp/Projects/TeamGradingRubric.pptx
@@ -289,7 +289,7 @@
             <a:fld id="{1D8BD707-D9CF-40AE-B4C6-C98DA3205C09}" type="datetimeFigureOut">
               <a:rPr lang="en-US" smtClean="0"/>
               <a:pPr/>
-              <a:t>5/2/2016</a:t>
+              <a:t>5/12/2016</a:t>
             </a:fld>
             <a:endParaRPr lang="en-US"/>
           </a:p>
@@ -456,7 +456,7 @@
             <a:fld id="{1D8BD707-D9CF-40AE-B4C6-C98DA3205C09}" type="datetimeFigureOut">
               <a:rPr lang="en-US" smtClean="0"/>
               <a:pPr/>
-              <a:t>5/2/2016</a:t>
+              <a:t>5/12/2016</a:t>
             </a:fld>
             <a:endParaRPr lang="en-US"/>
           </a:p>
@@ -633,7 +633,7 @@
             <a:fld id="{1D8BD707-D9CF-40AE-B4C6-C98DA3205C09}" type="datetimeFigureOut">
               <a:rPr lang="en-US" smtClean="0"/>
               <a:pPr/>
-              <a:t>5/2/2016</a:t>
+              <a:t>5/12/2016</a:t>
             </a:fld>
             <a:endParaRPr lang="en-US"/>
           </a:p>
@@ -800,7 +800,7 @@
             <a:fld id="{1D8BD707-D9CF-40AE-B4C6-C98DA3205C09}" type="datetimeFigureOut">
               <a:rPr lang="en-US" smtClean="0"/>
               <a:pPr/>
-              <a:t>5/2/2016</a:t>
+              <a:t>5/12/2016</a:t>
             </a:fld>
             <a:endParaRPr lang="en-US"/>
           </a:p>
@@ -1043,7 +1043,7 @@
             <a:fld id="{1D8BD707-D9CF-40AE-B4C6-C98DA3205C09}" type="datetimeFigureOut">
               <a:rPr lang="en-US" smtClean="0"/>
               <a:pPr/>
-              <a:t>5/2/2016</a:t>
+              <a:t>5/12/2016</a:t>
             </a:fld>
             <a:endParaRPr lang="en-US"/>
           </a:p>
@@ -1328,7 +1328,7 @@
             <a:fld id="{1D8BD707-D9CF-40AE-B4C6-C98DA3205C09}" type="datetimeFigureOut">
               <a:rPr lang="en-US" smtClean="0"/>
               <a:pPr/>
-              <a:t>5/2/2016</a:t>
+              <a:t>5/12/2016</a:t>
             </a:fld>
             <a:endParaRPr lang="en-US"/>
           </a:p>
@@ -1747,7 +1747,7 @@
             <a:fld id="{1D8BD707-D9CF-40AE-B4C6-C98DA3205C09}" type="datetimeFigureOut">
               <a:rPr lang="en-US" smtClean="0"/>
               <a:pPr/>
-              <a:t>5/2/2016</a:t>
+              <a:t>5/12/2016</a:t>
             </a:fld>
             <a:endParaRPr lang="en-US"/>
           </a:p>
@@ -1862,7 +1862,7 @@
             <a:fld id="{1D8BD707-D9CF-40AE-B4C6-C98DA3205C09}" type="datetimeFigureOut">
               <a:rPr lang="en-US" smtClean="0"/>
               <a:pPr/>
-              <a:t>5/2/2016</a:t>
+              <a:t>5/12/2016</a:t>
             </a:fld>
             <a:endParaRPr lang="en-US"/>
           </a:p>
@@ -1954,7 +1954,7 @@
             <a:fld id="{1D8BD707-D9CF-40AE-B4C6-C98DA3205C09}" type="datetimeFigureOut">
               <a:rPr lang="en-US" smtClean="0"/>
               <a:pPr/>
-              <a:t>5/2/2016</a:t>
+              <a:t>5/12/2016</a:t>
             </a:fld>
             <a:endParaRPr lang="en-US"/>
           </a:p>
@@ -2228,7 +2228,7 @@
             <a:fld id="{1D8BD707-D9CF-40AE-B4C6-C98DA3205C09}" type="datetimeFigureOut">
               <a:rPr lang="en-US" smtClean="0"/>
               <a:pPr/>
-              <a:t>5/2/2016</a:t>
+              <a:t>5/12/2016</a:t>
             </a:fld>
             <a:endParaRPr lang="en-US"/>
           </a:p>
@@ -2478,7 +2478,7 @@
             <a:fld id="{1D8BD707-D9CF-40AE-B4C6-C98DA3205C09}" type="datetimeFigureOut">
               <a:rPr lang="en-US" smtClean="0"/>
               <a:pPr/>
-              <a:t>5/2/2016</a:t>
+              <a:t>5/12/2016</a:t>
             </a:fld>
             <a:endParaRPr lang="en-US"/>
           </a:p>
@@ -2688,7 +2688,7 @@
             <a:fld id="{1D8BD707-D9CF-40AE-B4C6-C98DA3205C09}" type="datetimeFigureOut">
               <a:rPr lang="en-US" smtClean="0"/>
               <a:pPr/>
-              <a:t>5/2/2016</a:t>
+              <a:t>5/12/2016</a:t>
             </a:fld>
             <a:endParaRPr lang="en-US"/>
           </a:p>
@@ -3098,7 +3098,7 @@
           <p:nvPr>
             <p:extLst>
               <p:ext uri="{D42A27DB-BD31-4B8C-83A1-F6EECF244321}">
-                <p14:modId xmlns:p14="http://schemas.microsoft.com/office/powerpoint/2010/main" val="1336120334"/>
+                <p14:modId xmlns:p14="http://schemas.microsoft.com/office/powerpoint/2010/main" val="325990326"/>
               </p:ext>
             </p:extLst>
           </p:nvPr>
@@ -3227,7 +3227,19 @@
                     <a:p>
                       <a:r>
                         <a:rPr lang="en-US" sz="1400" dirty="0" smtClean="0"/>
-                        <a:t>2. Helped keeps the group focused on the task</a:t>
+                        <a:t>2. </a:t>
+                      </a:r>
+                      <a:r>
+                        <a:rPr lang="en-US" sz="1400" smtClean="0"/>
+                        <a:t>Helped </a:t>
+                      </a:r>
+                      <a:r>
+                        <a:rPr lang="en-US" sz="1400" smtClean="0"/>
+                        <a:t>keep </a:t>
+                      </a:r>
+                      <a:r>
+                        <a:rPr lang="en-US" sz="1400" dirty="0" smtClean="0"/>
+                        <a:t>the group focused on the task</a:t>
                       </a:r>
                     </a:p>
                   </a:txBody>
